--- a/documentation/prototype presentation.pptx
+++ b/documentation/prototype presentation.pptx
@@ -196,7 +196,7 @@
             <a:fld id="{241B2CAE-C838-4555-AE09-781673F6E96D}" type="datetimeFigureOut">
               <a:rPr lang="de-DE" smtClean="0"/>
               <a:pPr/>
-              <a:t>16.03.2009</a:t>
+              <a:t>17.03.2009</a:t>
             </a:fld>
             <a:endParaRPr lang="de-CH"/>
           </a:p>
@@ -656,7 +656,7 @@
             <a:fld id="{491AFB38-7F0F-4E65-9016-729E2F991F73}" type="datetime4">
               <a:rPr lang="en-US" smtClean="0"/>
               <a:pPr/>
-              <a:t>March 16, 2009</a:t>
+              <a:t>March 17, 2009</a:t>
             </a:fld>
             <a:endParaRPr lang="de-CH"/>
           </a:p>
@@ -888,7 +888,7 @@
             <a:fld id="{832CCE04-FC13-47C6-92C8-C6C0081D0F0B}" type="datetime4">
               <a:rPr lang="en-US" smtClean="0"/>
               <a:pPr/>
-              <a:t>March 16, 2009</a:t>
+              <a:t>March 17, 2009</a:t>
             </a:fld>
             <a:endParaRPr lang="de-CH"/>
           </a:p>
@@ -1069,7 +1069,7 @@
             <a:fld id="{2C76FB36-50AB-4B52-84F5-8BB3D4685CDE}" type="datetime4">
               <a:rPr lang="en-US" smtClean="0"/>
               <a:pPr/>
-              <a:t>March 16, 2009</a:t>
+              <a:t>March 17, 2009</a:t>
             </a:fld>
             <a:endParaRPr lang="de-CH"/>
           </a:p>
@@ -1254,7 +1254,7 @@
             <a:fld id="{FD3456F3-F988-4644-9B1F-732BB24E8D12}" type="datetime4">
               <a:rPr lang="en-US" smtClean="0"/>
               <a:pPr/>
-              <a:t>March 16, 2009</a:t>
+              <a:t>March 17, 2009</a:t>
             </a:fld>
             <a:endParaRPr lang="de-CH" dirty="0"/>
           </a:p>
@@ -1512,7 +1512,7 @@
             <a:fld id="{72EBF5DF-780F-456C-A555-8B62CA5D4506}" type="datetime4">
               <a:rPr lang="en-US" smtClean="0"/>
               <a:pPr/>
-              <a:t>March 16, 2009</a:t>
+              <a:t>March 17, 2009</a:t>
             </a:fld>
             <a:endParaRPr lang="de-CH"/>
           </a:p>
@@ -1782,7 +1782,7 @@
             <a:fld id="{A5757DA3-6B96-48F2-A79A-08453494CFFD}" type="datetime4">
               <a:rPr lang="en-US" smtClean="0"/>
               <a:pPr/>
-              <a:t>March 16, 2009</a:t>
+              <a:t>March 17, 2009</a:t>
             </a:fld>
             <a:endParaRPr lang="de-CH"/>
           </a:p>
@@ -2162,7 +2162,7 @@
             <a:fld id="{F2984DBB-B553-4E56-982F-D704A07319BD}" type="datetime4">
               <a:rPr lang="en-US" smtClean="0"/>
               <a:pPr/>
-              <a:t>March 16, 2009</a:t>
+              <a:t>March 17, 2009</a:t>
             </a:fld>
             <a:endParaRPr lang="de-CH"/>
           </a:p>
@@ -2281,7 +2281,7 @@
             <a:fld id="{0166FAD9-9585-46A3-BF5D-CB6DCF8840DE}" type="datetime4">
               <a:rPr lang="en-US" smtClean="0"/>
               <a:pPr/>
-              <a:t>March 16, 2009</a:t>
+              <a:t>March 17, 2009</a:t>
             </a:fld>
             <a:endParaRPr lang="de-CH"/>
           </a:p>
@@ -2377,7 +2377,7 @@
             <a:fld id="{5A66393E-1007-4886-9255-6344016076B5}" type="datetime4">
               <a:rPr lang="en-US" smtClean="0"/>
               <a:pPr/>
-              <a:t>March 16, 2009</a:t>
+              <a:t>March 17, 2009</a:t>
             </a:fld>
             <a:endParaRPr lang="de-CH"/>
           </a:p>
@@ -2641,7 +2641,7 @@
             <a:fld id="{AE06ED30-A47D-4BBF-B947-A4BA2E745E95}" type="datetime4">
               <a:rPr lang="en-US" smtClean="0"/>
               <a:pPr/>
-              <a:t>March 16, 2009</a:t>
+              <a:t>March 17, 2009</a:t>
             </a:fld>
             <a:endParaRPr lang="de-CH"/>
           </a:p>
@@ -2911,7 +2911,7 @@
             <a:fld id="{CE86EBBF-7759-4BBD-BA88-87224CF75B38}" type="datetime4">
               <a:rPr lang="en-US" smtClean="0"/>
               <a:pPr/>
-              <a:t>March 16, 2009</a:t>
+              <a:t>March 17, 2009</a:t>
             </a:fld>
             <a:endParaRPr lang="de-CH"/>
           </a:p>
@@ -3143,7 +3143,7 @@
             <a:fld id="{02438F3C-2C7D-43CB-8D4A-14AB2F777FBE}" type="datetime4">
               <a:rPr lang="en-US" smtClean="0"/>
               <a:pPr/>
-              <a:t>March 16, 2009</a:t>
+              <a:t>March 17, 2009</a:t>
             </a:fld>
             <a:endParaRPr lang="de-CH"/>
           </a:p>
@@ -3903,7 +3903,6 @@
               <a:rPr lang="en-US" dirty="0" smtClean="0"/>
               <a:t>Moving Islands</a:t>
             </a:r>
-            <a:endParaRPr lang="en-US" dirty="0" smtClean="0"/>
           </a:p>
           <a:p>
             <a:r>
@@ -3912,22 +3911,6 @@
             </a:r>
             <a:endParaRPr lang="en-US" dirty="0" smtClean="0"/>
           </a:p>
-          <a:p>
-            <a:r>
-              <a:rPr lang="en-US" dirty="0" smtClean="0"/>
-              <a:t>Shadows</a:t>
-            </a:r>
-            <a:endParaRPr lang="en-US" dirty="0" smtClean="0"/>
-          </a:p>
-          <a:p>
-            <a:r>
-              <a:rPr lang="en-US" dirty="0" smtClean="0"/>
-              <a:t>Console</a:t>
-            </a:r>
-          </a:p>
-          <a:p>
-            <a:endParaRPr lang="en-US" dirty="0" smtClean="0"/>
-          </a:p>
         </p:txBody>
       </p:sp>
       <p:sp>
@@ -3971,7 +3954,7 @@
             <a:fld id="{68B3A63F-3C21-45A5-881E-7079D21D2553}" type="datetime4">
               <a:rPr lang="en-US" smtClean="0"/>
               <a:pPr/>
-              <a:t>March 16, 2009</a:t>
+              <a:t>March 17, 2009</a:t>
             </a:fld>
             <a:endParaRPr lang="de-CH" dirty="0"/>
           </a:p>
@@ -4142,7 +4125,6 @@
               <a:rPr lang="en-US" dirty="0" smtClean="0"/>
               <a:t>Ice spike</a:t>
             </a:r>
-            <a:endParaRPr lang="en-US" dirty="0" smtClean="0"/>
           </a:p>
           <a:p>
             <a:r>
@@ -4155,14 +4137,12 @@
               <a:rPr lang="en-US" dirty="0" smtClean="0"/>
               <a:t>Hit &amp; pushback</a:t>
             </a:r>
-            <a:endParaRPr lang="en-US" dirty="0" smtClean="0"/>
           </a:p>
           <a:p>
             <a:r>
               <a:rPr lang="en-US" dirty="0" smtClean="0"/>
               <a:t>Sound</a:t>
             </a:r>
-            <a:endParaRPr lang="en-US" dirty="0" smtClean="0"/>
           </a:p>
           <a:p>
             <a:endParaRPr lang="en-US" dirty="0" smtClean="0"/>
@@ -4213,7 +4193,7 @@
             <a:fld id="{EE9DF18A-702D-492C-8FAA-404C4DC0A077}" type="datetime4">
               <a:rPr lang="en-US" smtClean="0"/>
               <a:pPr/>
-              <a:t>March 16, 2009</a:t>
+              <a:t>March 17, 2009</a:t>
             </a:fld>
             <a:endParaRPr lang="en-US"/>
           </a:p>
@@ -4384,17 +4364,8 @@
             <a:pPr lvl="1"/>
             <a:r>
               <a:rPr lang="en-US" dirty="0" smtClean="0"/>
-              <a:t>Camera (angle, </a:t>
-            </a:r>
-            <a:r>
-              <a:rPr lang="en-US" dirty="0" smtClean="0"/>
-              <a:t>focal </a:t>
-            </a:r>
-            <a:r>
-              <a:rPr lang="en-US" dirty="0" smtClean="0"/>
-              <a:t>length)</a:t>
-            </a:r>
-            <a:endParaRPr lang="en-US" dirty="0" smtClean="0"/>
+              <a:t>Camera (angle, focal length)</a:t>
+            </a:r>
           </a:p>
           <a:p>
             <a:r>
@@ -4408,7 +4379,6 @@
               <a:rPr lang="en-US" dirty="0" smtClean="0"/>
               <a:t>Don’t fall from island</a:t>
             </a:r>
-            <a:endParaRPr lang="en-US" dirty="0" smtClean="0"/>
           </a:p>
           <a:p>
             <a:r>
@@ -4435,7 +4405,6 @@
               <a:rPr lang="en-US" dirty="0" smtClean="0"/>
               <a:t>Parameter tuning</a:t>
             </a:r>
-            <a:endParaRPr lang="en-US" dirty="0" smtClean="0"/>
           </a:p>
           <a:p>
             <a:endParaRPr lang="en-US" dirty="0"/>
@@ -4483,7 +4452,7 @@
             <a:fld id="{FD3456F3-F988-4644-9B1F-732BB24E8D12}" type="datetime4">
               <a:rPr lang="en-US" smtClean="0"/>
               <a:pPr/>
-              <a:t>March 16, 2009</a:t>
+              <a:t>March 17, 2009</a:t>
             </a:fld>
             <a:endParaRPr lang="en-US"/>
           </a:p>

--- a/documentation/prototype presentation.pptx
+++ b/documentation/prototype presentation.pptx
@@ -5,13 +5,14 @@
     <p:sldMasterId id="2147483660" r:id="rId1"/>
   </p:sldMasterIdLst>
   <p:notesMasterIdLst>
-    <p:notesMasterId r:id="rId6"/>
+    <p:notesMasterId r:id="rId7"/>
   </p:notesMasterIdLst>
   <p:sldIdLst>
     <p:sldId id="256" r:id="rId2"/>
     <p:sldId id="257" r:id="rId3"/>
     <p:sldId id="258" r:id="rId4"/>
     <p:sldId id="259" r:id="rId5"/>
+    <p:sldId id="261" r:id="rId6"/>
   </p:sldIdLst>
   <p:sldSz cx="9144000" cy="6858000" type="screen4x3"/>
   <p:notesSz cx="6858000" cy="9144000"/>
@@ -4336,9 +4337,16 @@
             <p:ph idx="1"/>
           </p:nvPr>
         </p:nvSpPr>
-        <p:spPr/>
-        <p:txBody>
-          <a:bodyPr/>
+        <p:spPr>
+          <a:xfrm>
+            <a:off x="457200" y="1600200"/>
+            <a:ext cx="3186106" cy="4709160"/>
+          </a:xfrm>
+        </p:spPr>
+        <p:txBody>
+          <a:bodyPr>
+            <a:normAutofit fontScale="85000" lnSpcReduction="10000"/>
+          </a:bodyPr>
           <a:lstStyle/>
           <a:p>
             <a:r>
@@ -4370,19 +4378,6 @@
           <a:p>
             <a:r>
               <a:rPr lang="en-US" dirty="0" smtClean="0"/>
-              <a:t>Intra-Island movement</a:t>
-            </a:r>
-          </a:p>
-          <a:p>
-            <a:pPr lvl="1"/>
-            <a:r>
-              <a:rPr lang="en-US" dirty="0" smtClean="0"/>
-              <a:t>Don’t fall from island</a:t>
-            </a:r>
-          </a:p>
-          <a:p>
-            <a:r>
-              <a:rPr lang="en-US" dirty="0" smtClean="0"/>
               <a:t>Inter-Island movement</a:t>
             </a:r>
           </a:p>
@@ -4397,17 +4392,13 @@
             <a:pPr lvl="1"/>
             <a:r>
               <a:rPr lang="en-US" dirty="0" smtClean="0"/>
-              <a:t>Other means of movement (beaming, hook)</a:t>
-            </a:r>
-          </a:p>
-          <a:p>
+              <a:t>Other means of movement </a:t>
+            </a:r>
             <a:r>
               <a:rPr lang="en-US" dirty="0" smtClean="0"/>
-              <a:t>Parameter tuning</a:t>
-            </a:r>
-          </a:p>
-          <a:p>
-            <a:endParaRPr lang="en-US" dirty="0"/>
+              <a:t>(hook, island attraction)</a:t>
+            </a:r>
+            <a:endParaRPr lang="en-US" dirty="0" smtClean="0"/>
           </a:p>
         </p:txBody>
       </p:sp>
@@ -4505,6 +4496,287 @@
           </a:p>
         </p:txBody>
       </p:sp>
+      <p:pic>
+        <p:nvPicPr>
+          <p:cNvPr id="7" name="Picture 3"/>
+          <p:cNvPicPr>
+            <a:picLocks noChangeAspect="1" noChangeArrowheads="1"/>
+          </p:cNvPicPr>
+          <p:nvPr/>
+        </p:nvPicPr>
+        <p:blipFill>
+          <a:blip r:embed="rId2"/>
+          <a:stretch>
+            <a:fillRect/>
+          </a:stretch>
+        </p:blipFill>
+        <p:spPr bwMode="auto">
+          <a:xfrm>
+            <a:off x="3714745" y="1714488"/>
+            <a:ext cx="5143534" cy="3857650"/>
+          </a:xfrm>
+          <a:prstGeom prst="roundRect">
+            <a:avLst>
+              <a:gd name="adj" fmla="val 3210"/>
+            </a:avLst>
+          </a:prstGeom>
+          <a:solidFill>
+            <a:srgbClr val="FFFFFF"/>
+          </a:solidFill>
+          <a:ln w="76200" cap="sq">
+            <a:solidFill>
+              <a:srgbClr val="292929"/>
+            </a:solidFill>
+            <a:miter lim="800000"/>
+          </a:ln>
+          <a:effectLst/>
+          <a:scene3d>
+            <a:camera prst="orthographicFront"/>
+            <a:lightRig rig="threePt" dir="t">
+              <a:rot lat="0" lon="0" rev="2700000"/>
+            </a:lightRig>
+          </a:scene3d>
+          <a:sp3d>
+            <a:bevelT h="38100"/>
+            <a:contourClr>
+              <a:srgbClr val="C0C0C0"/>
+            </a:contourClr>
+          </a:sp3d>
+        </p:spPr>
+      </p:pic>
+    </p:spTree>
+  </p:cSld>
+  <p:clrMapOvr>
+    <a:masterClrMapping/>
+  </p:clrMapOvr>
+  <p:timing>
+    <p:tnLst>
+      <p:par>
+        <p:cTn id="1" dur="indefinite" restart="never" nodeType="tmRoot"/>
+      </p:par>
+    </p:tnLst>
+  </p:timing>
+</p:sld>
+</file>
+
+<file path=ppt/slides/slide5.xml><?xml version="1.0" encoding="utf-8"?>
+<p:sld xmlns:a="http://schemas.openxmlformats.org/drawingml/2006/main" xmlns:r="http://schemas.openxmlformats.org/officeDocument/2006/relationships" xmlns:p="http://schemas.openxmlformats.org/presentationml/2006/main">
+  <p:cSld>
+    <p:spTree>
+      <p:nvGrpSpPr>
+        <p:cNvPr id="1" name=""/>
+        <p:cNvGrpSpPr/>
+        <p:nvPr/>
+      </p:nvGrpSpPr>
+      <p:grpSpPr>
+        <a:xfrm>
+          <a:off x="0" y="0"/>
+          <a:ext cx="0" cy="0"/>
+          <a:chOff x="0" y="0"/>
+          <a:chExt cx="0" cy="0"/>
+        </a:xfrm>
+      </p:grpSpPr>
+      <p:sp>
+        <p:nvSpPr>
+          <p:cNvPr id="2" name="Content Placeholder 1"/>
+          <p:cNvSpPr>
+            <a:spLocks noGrp="1"/>
+          </p:cNvSpPr>
+          <p:nvPr>
+            <p:ph idx="1"/>
+          </p:nvPr>
+        </p:nvSpPr>
+        <p:spPr>
+          <a:xfrm>
+            <a:off x="457200" y="1600200"/>
+            <a:ext cx="3186106" cy="4709160"/>
+          </a:xfrm>
+        </p:spPr>
+        <p:txBody>
+          <a:bodyPr/>
+          <a:lstStyle/>
+          <a:p>
+            <a:r>
+              <a:rPr lang="en-US" dirty="0" smtClean="0"/>
+              <a:t>Intra-Island movement</a:t>
+            </a:r>
+          </a:p>
+          <a:p>
+            <a:pPr lvl="1"/>
+            <a:r>
+              <a:rPr lang="en-US" dirty="0" smtClean="0"/>
+              <a:t>Don’t </a:t>
+            </a:r>
+            <a:r>
+              <a:rPr lang="en-US" dirty="0" smtClean="0"/>
+              <a:t>fall from island</a:t>
+            </a:r>
+          </a:p>
+          <a:p>
+            <a:r>
+              <a:rPr lang="en-US" dirty="0" smtClean="0"/>
+              <a:t>Parameter </a:t>
+            </a:r>
+            <a:r>
+              <a:rPr lang="en-US" dirty="0" smtClean="0"/>
+              <a:t>tuning</a:t>
+            </a:r>
+          </a:p>
+          <a:p>
+            <a:endParaRPr lang="en-US" dirty="0"/>
+          </a:p>
+        </p:txBody>
+      </p:sp>
+      <p:sp>
+        <p:nvSpPr>
+          <p:cNvPr id="3" name="Title 2"/>
+          <p:cNvSpPr>
+            <a:spLocks noGrp="1"/>
+          </p:cNvSpPr>
+          <p:nvPr>
+            <p:ph type="title"/>
+          </p:nvPr>
+        </p:nvSpPr>
+        <p:spPr/>
+        <p:txBody>
+          <a:bodyPr/>
+          <a:lstStyle/>
+          <a:p>
+            <a:r>
+              <a:rPr lang="en-US" dirty="0" smtClean="0"/>
+              <a:t>Prototype Insights</a:t>
+            </a:r>
+            <a:endParaRPr lang="en-US" dirty="0"/>
+          </a:p>
+        </p:txBody>
+      </p:sp>
+      <p:sp>
+        <p:nvSpPr>
+          <p:cNvPr id="4" name="Date Placeholder 3"/>
+          <p:cNvSpPr>
+            <a:spLocks noGrp="1"/>
+          </p:cNvSpPr>
+          <p:nvPr>
+            <p:ph type="dt" sz="half" idx="10"/>
+          </p:nvPr>
+        </p:nvSpPr>
+        <p:spPr/>
+        <p:txBody>
+          <a:bodyPr/>
+          <a:lstStyle/>
+          <a:p>
+            <a:fld id="{FD3456F3-F988-4644-9B1F-732BB24E8D12}" type="datetime4">
+              <a:rPr lang="en-US" smtClean="0"/>
+              <a:pPr/>
+              <a:t>March 17, 2009</a:t>
+            </a:fld>
+            <a:endParaRPr lang="en-US"/>
+          </a:p>
+        </p:txBody>
+      </p:sp>
+      <p:sp>
+        <p:nvSpPr>
+          <p:cNvPr id="5" name="Slide Number Placeholder 4"/>
+          <p:cNvSpPr>
+            <a:spLocks noGrp="1"/>
+          </p:cNvSpPr>
+          <p:nvPr>
+            <p:ph type="sldNum" sz="quarter" idx="11"/>
+          </p:nvPr>
+        </p:nvSpPr>
+        <p:spPr/>
+        <p:txBody>
+          <a:bodyPr/>
+          <a:lstStyle/>
+          <a:p>
+            <a:fld id="{94DC829C-B434-429A-BFAA-3A8BDECA7E9F}" type="slidenum">
+              <a:rPr lang="en-US" smtClean="0"/>
+              <a:pPr/>
+              <a:t>5</a:t>
+            </a:fld>
+            <a:endParaRPr lang="en-US"/>
+          </a:p>
+        </p:txBody>
+      </p:sp>
+      <p:sp>
+        <p:nvSpPr>
+          <p:cNvPr id="6" name="Footer Placeholder 5"/>
+          <p:cNvSpPr>
+            <a:spLocks noGrp="1"/>
+          </p:cNvSpPr>
+          <p:nvPr>
+            <p:ph type="ftr" sz="quarter" idx="12"/>
+          </p:nvPr>
+        </p:nvSpPr>
+        <p:spPr/>
+        <p:txBody>
+          <a:bodyPr/>
+          <a:lstStyle/>
+          <a:p>
+            <a:r>
+              <a:rPr lang="en-US" dirty="0" smtClean="0"/>
+              <a:t>Game </a:t>
+            </a:r>
+            <a:r>
+              <a:rPr lang="en-US" dirty="0" err="1" smtClean="0"/>
+              <a:t>Programing</a:t>
+            </a:r>
+            <a:r>
+              <a:rPr lang="en-US" dirty="0" smtClean="0"/>
+              <a:t> Laboratory</a:t>
+            </a:r>
+            <a:endParaRPr lang="en-US" dirty="0"/>
+          </a:p>
+        </p:txBody>
+      </p:sp>
+      <p:pic>
+        <p:nvPicPr>
+          <p:cNvPr id="7" name="Picture 3"/>
+          <p:cNvPicPr>
+            <a:picLocks noChangeAspect="1" noChangeArrowheads="1"/>
+          </p:cNvPicPr>
+          <p:nvPr/>
+        </p:nvPicPr>
+        <p:blipFill>
+          <a:blip r:embed="rId2"/>
+          <a:stretch>
+            <a:fillRect/>
+          </a:stretch>
+        </p:blipFill>
+        <p:spPr bwMode="auto">
+          <a:xfrm>
+            <a:off x="3714745" y="1720107"/>
+            <a:ext cx="5143534" cy="3846413"/>
+          </a:xfrm>
+          <a:prstGeom prst="roundRect">
+            <a:avLst>
+              <a:gd name="adj" fmla="val 3210"/>
+            </a:avLst>
+          </a:prstGeom>
+          <a:solidFill>
+            <a:srgbClr val="FFFFFF"/>
+          </a:solidFill>
+          <a:ln w="76200" cap="sq">
+            <a:solidFill>
+              <a:srgbClr val="292929"/>
+            </a:solidFill>
+            <a:miter lim="800000"/>
+          </a:ln>
+          <a:effectLst/>
+          <a:scene3d>
+            <a:camera prst="orthographicFront"/>
+            <a:lightRig rig="threePt" dir="t">
+              <a:rot lat="0" lon="0" rev="2700000"/>
+            </a:lightRig>
+          </a:scene3d>
+          <a:sp3d>
+            <a:bevelT h="38100"/>
+            <a:contourClr>
+              <a:srgbClr val="C0C0C0"/>
+            </a:contourClr>
+          </a:sp3d>
+        </p:spPr>
+      </p:pic>
     </p:spTree>
   </p:cSld>
   <p:clrMapOvr>
